--- a/etc/1219_sample_v1.pptx
+++ b/etc/1219_sample_v1.pptx
@@ -4325,7 +4325,7 @@
               <a:t>01</a:t>
             </a:r>
             <a:r>
-              <a:rPr lang="ko-KR" altLang="en-US" sz="1200" spc="-150">
+              <a:rPr lang="ko-KR" altLang="en-US" sz="1200" spc="-150" dirty="0">
                 <a:latin typeface="가는안상수체" pitchFamily="2" charset="-127"/>
                 <a:ea typeface="가는안상수체" pitchFamily="2" charset="-127"/>
                 <a:cs typeface="Arial Unicode MS" pitchFamily="50" charset="-127"/>
@@ -4333,7 +4333,73 @@
               <a:t>월</a:t>
             </a:r>
             <a:r>
-              <a:rPr lang="ko-KR" altLang="en-US" sz="2000" spc="-150">
+              <a:rPr lang="ko-KR" altLang="en-US" sz="2000" spc="-150" dirty="0">
+                <a:latin typeface="가는안상수체" pitchFamily="2" charset="-127"/>
+                <a:ea typeface="가는안상수체" pitchFamily="2" charset="-127"/>
+              </a:rPr>
+              <a:t> </a:t>
+            </a:r>
+            <a:r>
+              <a:rPr lang="en-US" altLang="ko-KR" sz="2000" spc="-150" dirty="0">
+                <a:latin typeface="가는안상수체" pitchFamily="2" charset="-127"/>
+                <a:ea typeface="가는안상수체" pitchFamily="2" charset="-127"/>
+              </a:rPr>
+              <a:t> 06</a:t>
+            </a:r>
+            <a:r>
+              <a:rPr lang="ko-KR" altLang="en-US" sz="1200" spc="-150" dirty="0">
+                <a:latin typeface="가는안상수체" pitchFamily="2" charset="-127"/>
+                <a:ea typeface="가는안상수체" pitchFamily="2" charset="-127"/>
+                <a:cs typeface="Arial Unicode MS" pitchFamily="50" charset="-127"/>
+              </a:rPr>
+              <a:t>일</a:t>
+            </a:r>
+            <a:r>
+              <a:rPr lang="en-US" altLang="ko-KR" sz="2000" spc="-150" dirty="0">
+                <a:latin typeface="가는안상수체" pitchFamily="2" charset="-127"/>
+                <a:ea typeface="가는안상수체" pitchFamily="2" charset="-127"/>
+              </a:rPr>
+              <a:t>  </a:t>
+            </a:r>
+            <a:r>
+              <a:rPr lang="ko-KR" altLang="en-US" sz="2000" spc="-150" dirty="0">
+                <a:latin typeface="가는안상수체" pitchFamily="2" charset="-127"/>
+                <a:ea typeface="가는안상수체" pitchFamily="2" charset="-127"/>
+              </a:rPr>
+              <a:t>화</a:t>
+            </a:r>
+            <a:r>
+              <a:rPr lang="ko-KR" altLang="en-US" sz="1200" spc="-150" dirty="0">
+                <a:latin typeface="가는안상수체" pitchFamily="2" charset="-127"/>
+                <a:ea typeface="가는안상수체" pitchFamily="2" charset="-127"/>
+                <a:cs typeface="Arial Unicode MS" pitchFamily="50" charset="-127"/>
+              </a:rPr>
+              <a:t>요일</a:t>
+            </a:r>
+            <a:r>
+              <a:rPr lang="ko-KR" altLang="en-US" sz="2000" spc="-150" dirty="0">
+                <a:latin typeface="가는안상수체" pitchFamily="2" charset="-127"/>
+                <a:ea typeface="가는안상수체" pitchFamily="2" charset="-127"/>
+              </a:rPr>
+              <a:t> </a:t>
+            </a:r>
+            <a:r>
+              <a:rPr lang="en-US" altLang="ko-KR" sz="2000" spc="-150" dirty="0">
+                <a:latin typeface="가는안상수체" pitchFamily="2" charset="-127"/>
+                <a:ea typeface="가는안상수체" pitchFamily="2" charset="-127"/>
+              </a:rPr>
+              <a:t> 9</a:t>
+            </a:r>
+            <a:r>
+              <a:rPr lang="ko-KR" altLang="en-US" sz="1200" spc="-150" dirty="0">
+                <a:latin typeface="가는안상수체" pitchFamily="2" charset="-127"/>
+                <a:ea typeface="가는안상수체" pitchFamily="2" charset="-127"/>
+                <a:cs typeface="Arial Unicode MS" pitchFamily="50" charset="-127"/>
+              </a:rPr>
+              <a:t>시</a:t>
+            </a:r>
+            <a:r>
+              <a:rPr lang="en-US" altLang="ko-KR" sz="1200" spc="-150">
                 <a:latin typeface="가는안상수체" pitchFamily="2" charset="-127"/>
                 <a:ea typeface="가는안상수체" pitchFamily="2" charset="-127"/>
               </a:rPr>
@@ -4344,73 +4410,7 @@
                 <a:latin typeface="가는안상수체" pitchFamily="2" charset="-127"/>
                 <a:ea typeface="가는안상수체" pitchFamily="2" charset="-127"/>
               </a:rPr>
-              <a:t> 05</a:t>
-            </a:r>
-            <a:r>
-              <a:rPr lang="ko-KR" altLang="en-US" sz="1200" spc="-150">
-                <a:latin typeface="가는안상수체" pitchFamily="2" charset="-127"/>
-                <a:ea typeface="가는안상수체" pitchFamily="2" charset="-127"/>
-                <a:cs typeface="Arial Unicode MS" pitchFamily="50" charset="-127"/>
-              </a:rPr>
-              <a:t>일</a:t>
-            </a:r>
-            <a:r>
-              <a:rPr lang="en-US" altLang="ko-KR" sz="2000" spc="-150">
-                <a:latin typeface="가는안상수체" pitchFamily="2" charset="-127"/>
-                <a:ea typeface="가는안상수체" pitchFamily="2" charset="-127"/>
-              </a:rPr>
-              <a:t>  </a:t>
-            </a:r>
-            <a:r>
-              <a:rPr lang="ko-KR" altLang="en-US" sz="2000" spc="-150">
-                <a:latin typeface="가는안상수체" pitchFamily="2" charset="-127"/>
-                <a:ea typeface="가는안상수체" pitchFamily="2" charset="-127"/>
-              </a:rPr>
-              <a:t>월</a:t>
-            </a:r>
-            <a:r>
-              <a:rPr lang="ko-KR" altLang="en-US" sz="1200" spc="-150">
-                <a:latin typeface="가는안상수체" pitchFamily="2" charset="-127"/>
-                <a:ea typeface="가는안상수체" pitchFamily="2" charset="-127"/>
-                <a:cs typeface="Arial Unicode MS" pitchFamily="50" charset="-127"/>
-              </a:rPr>
-              <a:t>요일</a:t>
-            </a:r>
-            <a:r>
-              <a:rPr lang="ko-KR" altLang="en-US" sz="2000" spc="-150">
-                <a:latin typeface="가는안상수체" pitchFamily="2" charset="-127"/>
-                <a:ea typeface="가는안상수체" pitchFamily="2" charset="-127"/>
-              </a:rPr>
-              <a:t> </a:t>
-            </a:r>
-            <a:r>
-              <a:rPr lang="en-US" altLang="ko-KR" sz="2000" spc="-150">
-                <a:latin typeface="가는안상수체" pitchFamily="2" charset="-127"/>
-                <a:ea typeface="가는안상수체" pitchFamily="2" charset="-127"/>
-              </a:rPr>
-              <a:t> 15</a:t>
-            </a:r>
-            <a:r>
-              <a:rPr lang="ko-KR" altLang="en-US" sz="1200" spc="-150">
-                <a:latin typeface="가는안상수체" pitchFamily="2" charset="-127"/>
-                <a:ea typeface="가는안상수체" pitchFamily="2" charset="-127"/>
-                <a:cs typeface="Arial Unicode MS" pitchFamily="50" charset="-127"/>
-              </a:rPr>
-              <a:t>시</a:t>
-            </a:r>
-            <a:r>
-              <a:rPr lang="en-US" altLang="ko-KR" sz="1200" spc="-150">
-                <a:latin typeface="가는안상수체" pitchFamily="2" charset="-127"/>
-                <a:ea typeface="가는안상수체" pitchFamily="2" charset="-127"/>
-              </a:rPr>
-              <a:t> </a:t>
-            </a:r>
-            <a:r>
-              <a:rPr lang="en-US" altLang="ko-KR" sz="2000" spc="-150">
-                <a:latin typeface="가는안상수체" pitchFamily="2" charset="-127"/>
-                <a:ea typeface="가는안상수체" pitchFamily="2" charset="-127"/>
-              </a:rPr>
-              <a:t>10</a:t>
+              <a:t>40</a:t>
             </a:r>
             <a:r>
               <a:rPr lang="ko-KR" altLang="en-US" sz="1200" spc="-150" dirty="0">
